--- a/WiFi_system_diagram.pptx
+++ b/WiFi_system_diagram.pptx
@@ -14776,6 +14776,50 @@
           </a:p>
         </p:txBody>
       </p:sp>
+      <p:cxnSp>
+        <p:nvCxnSpPr>
+          <p:cNvPr id="57" name="Straight Arrow Connector 21">
+            <a:extLst>
+              <a:ext uri="{FF2B5EF4-FFF2-40B4-BE49-F238E27FC236}">
+                <a16:creationId xmlns:a16="http://schemas.microsoft.com/office/drawing/2014/main" id="{8778CFBC-8F12-3A57-F873-CD19837B60AD}"/>
+              </a:ext>
+            </a:extLst>
+          </p:cNvPr>
+          <p:cNvCxnSpPr>
+            <a:cxnSpLocks/>
+          </p:cNvCxnSpPr>
+          <p:nvPr/>
+        </p:nvCxnSpPr>
+        <p:spPr>
+          <a:xfrm flipV="1">
+            <a:off x="3685101" y="409074"/>
+            <a:ext cx="1560667" cy="1839738"/>
+          </a:xfrm>
+          <a:prstGeom prst="straightConnector1">
+            <a:avLst/>
+          </a:prstGeom>
+          <a:ln>
+            <a:solidFill>
+              <a:srgbClr val="00B0F0"/>
+            </a:solidFill>
+            <a:tailEnd type="triangle"/>
+          </a:ln>
+        </p:spPr>
+        <p:style>
+          <a:lnRef idx="1">
+            <a:schemeClr val="accent1"/>
+          </a:lnRef>
+          <a:fillRef idx="0">
+            <a:schemeClr val="accent1"/>
+          </a:fillRef>
+          <a:effectRef idx="0">
+            <a:schemeClr val="accent1"/>
+          </a:effectRef>
+          <a:fontRef idx="minor">
+            <a:schemeClr val="tx1"/>
+          </a:fontRef>
+        </p:style>
+      </p:cxnSp>
     </p:spTree>
     <p:extLst>
       <p:ext uri="{BB962C8B-B14F-4D97-AF65-F5344CB8AC3E}">

--- a/WiFi_system_diagram.pptx
+++ b/WiFi_system_diagram.pptx
@@ -253,7 +253,7 @@
           <a:p>
             <a:fld id="{39A6EA25-717A-4C0C-8F5F-C01DB16302E8}" type="datetimeFigureOut">
               <a:rPr lang="en-US" smtClean="0"/>
-              <a:t>2/14/2023</a:t>
+              <a:t>11/18/2025</a:t>
             </a:fld>
             <a:endParaRPr lang="en-US"/>
           </a:p>
@@ -423,7 +423,7 @@
           <a:p>
             <a:fld id="{39A6EA25-717A-4C0C-8F5F-C01DB16302E8}" type="datetimeFigureOut">
               <a:rPr lang="en-US" smtClean="0"/>
-              <a:t>2/14/2023</a:t>
+              <a:t>11/18/2025</a:t>
             </a:fld>
             <a:endParaRPr lang="en-US"/>
           </a:p>
@@ -603,7 +603,7 @@
           <a:p>
             <a:fld id="{39A6EA25-717A-4C0C-8F5F-C01DB16302E8}" type="datetimeFigureOut">
               <a:rPr lang="en-US" smtClean="0"/>
-              <a:t>2/14/2023</a:t>
+              <a:t>11/18/2025</a:t>
             </a:fld>
             <a:endParaRPr lang="en-US"/>
           </a:p>
@@ -773,7 +773,7 @@
           <a:p>
             <a:fld id="{39A6EA25-717A-4C0C-8F5F-C01DB16302E8}" type="datetimeFigureOut">
               <a:rPr lang="en-US" smtClean="0"/>
-              <a:t>2/14/2023</a:t>
+              <a:t>11/18/2025</a:t>
             </a:fld>
             <a:endParaRPr lang="en-US"/>
           </a:p>
@@ -1019,7 +1019,7 @@
           <a:p>
             <a:fld id="{39A6EA25-717A-4C0C-8F5F-C01DB16302E8}" type="datetimeFigureOut">
               <a:rPr lang="en-US" smtClean="0"/>
-              <a:t>2/14/2023</a:t>
+              <a:t>11/18/2025</a:t>
             </a:fld>
             <a:endParaRPr lang="en-US"/>
           </a:p>
@@ -1251,7 +1251,7 @@
           <a:p>
             <a:fld id="{39A6EA25-717A-4C0C-8F5F-C01DB16302E8}" type="datetimeFigureOut">
               <a:rPr lang="en-US" smtClean="0"/>
-              <a:t>2/14/2023</a:t>
+              <a:t>11/18/2025</a:t>
             </a:fld>
             <a:endParaRPr lang="en-US"/>
           </a:p>
@@ -1618,7 +1618,7 @@
           <a:p>
             <a:fld id="{39A6EA25-717A-4C0C-8F5F-C01DB16302E8}" type="datetimeFigureOut">
               <a:rPr lang="en-US" smtClean="0"/>
-              <a:t>2/14/2023</a:t>
+              <a:t>11/18/2025</a:t>
             </a:fld>
             <a:endParaRPr lang="en-US"/>
           </a:p>
@@ -1736,7 +1736,7 @@
           <a:p>
             <a:fld id="{39A6EA25-717A-4C0C-8F5F-C01DB16302E8}" type="datetimeFigureOut">
               <a:rPr lang="en-US" smtClean="0"/>
-              <a:t>2/14/2023</a:t>
+              <a:t>11/18/2025</a:t>
             </a:fld>
             <a:endParaRPr lang="en-US"/>
           </a:p>
@@ -1831,7 +1831,7 @@
           <a:p>
             <a:fld id="{39A6EA25-717A-4C0C-8F5F-C01DB16302E8}" type="datetimeFigureOut">
               <a:rPr lang="en-US" smtClean="0"/>
-              <a:t>2/14/2023</a:t>
+              <a:t>11/18/2025</a:t>
             </a:fld>
             <a:endParaRPr lang="en-US"/>
           </a:p>
@@ -2108,7 +2108,7 @@
           <a:p>
             <a:fld id="{39A6EA25-717A-4C0C-8F5F-C01DB16302E8}" type="datetimeFigureOut">
               <a:rPr lang="en-US" smtClean="0"/>
-              <a:t>2/14/2023</a:t>
+              <a:t>11/18/2025</a:t>
             </a:fld>
             <a:endParaRPr lang="en-US"/>
           </a:p>
@@ -2365,7 +2365,7 @@
           <a:p>
             <a:fld id="{39A6EA25-717A-4C0C-8F5F-C01DB16302E8}" type="datetimeFigureOut">
               <a:rPr lang="en-US" smtClean="0"/>
-              <a:t>2/14/2023</a:t>
+              <a:t>11/18/2025</a:t>
             </a:fld>
             <a:endParaRPr lang="en-US"/>
           </a:p>
@@ -2578,7 +2578,7 @@
           <a:p>
             <a:fld id="{39A6EA25-717A-4C0C-8F5F-C01DB16302E8}" type="datetimeFigureOut">
               <a:rPr lang="en-US" smtClean="0"/>
-              <a:t>2/14/2023</a:t>
+              <a:t>11/18/2025</a:t>
             </a:fld>
             <a:endParaRPr lang="en-US"/>
           </a:p>
@@ -24305,6 +24305,52 @@
       </p:grpSpPr>
       <p:sp>
         <p:nvSpPr>
+          <p:cNvPr id="24" name="Rectangle 12">
+            <a:extLst>
+              <a:ext uri="{FF2B5EF4-FFF2-40B4-BE49-F238E27FC236}">
+                <a16:creationId xmlns:a16="http://schemas.microsoft.com/office/drawing/2014/main" id="{B730F0C3-3304-46C7-B49D-70449D1987B4}"/>
+              </a:ext>
+            </a:extLst>
+          </p:cNvPr>
+          <p:cNvSpPr/>
+          <p:nvPr/>
+        </p:nvSpPr>
+        <p:spPr>
+          <a:xfrm>
+            <a:off x="5229346" y="1355271"/>
+            <a:ext cx="2947307" cy="1543050"/>
+          </a:xfrm>
+          <a:prstGeom prst="rect">
+            <a:avLst/>
+          </a:prstGeom>
+        </p:spPr>
+        <p:style>
+          <a:lnRef idx="2">
+            <a:schemeClr val="accent2"/>
+          </a:lnRef>
+          <a:fillRef idx="1">
+            <a:schemeClr val="lt1"/>
+          </a:fillRef>
+          <a:effectRef idx="0">
+            <a:schemeClr val="accent2"/>
+          </a:effectRef>
+          <a:fontRef idx="minor">
+            <a:schemeClr val="dk1"/>
+          </a:fontRef>
+        </p:style>
+        <p:txBody>
+          <a:bodyPr rtlCol="0" anchor="ctr"/>
+          <a:lstStyle/>
+          <a:p>
+            <a:pPr algn="ctr"/>
+            <a:endParaRPr lang="en-US" sz="1000">
+              <a:latin typeface="Consolas" panose="020B0609020204030204" pitchFamily="49" charset="0"/>
+            </a:endParaRPr>
+          </a:p>
+        </p:txBody>
+      </p:sp>
+      <p:sp>
+        <p:nvSpPr>
           <p:cNvPr id="4" name="Rectangle 3">
             <a:extLst>
               <a:ext uri="{FF2B5EF4-FFF2-40B4-BE49-F238E27FC236}">
@@ -24883,7 +24929,7 @@
         </p:nvCxnSpPr>
         <p:spPr>
           <a:xfrm>
-            <a:off x="11016342" y="467350"/>
+            <a:off x="11189291" y="480903"/>
             <a:ext cx="331738" cy="0"/>
           </a:xfrm>
           <a:prstGeom prst="straightConnector1">
@@ -24937,6 +24983,1433 @@
             <a:solidFill>
               <a:schemeClr val="tx1"/>
             </a:solidFill>
+          </a:ln>
+        </p:spPr>
+        <p:style>
+          <a:lnRef idx="1">
+            <a:schemeClr val="accent1"/>
+          </a:lnRef>
+          <a:fillRef idx="0">
+            <a:schemeClr val="accent1"/>
+          </a:fillRef>
+          <a:effectRef idx="0">
+            <a:schemeClr val="accent1"/>
+          </a:effectRef>
+          <a:fontRef idx="minor">
+            <a:schemeClr val="tx1"/>
+          </a:fontRef>
+        </p:style>
+      </p:cxnSp>
+      <p:sp>
+        <p:nvSpPr>
+          <p:cNvPr id="2" name="Rectangle 12">
+            <a:extLst>
+              <a:ext uri="{FF2B5EF4-FFF2-40B4-BE49-F238E27FC236}">
+                <a16:creationId xmlns:a16="http://schemas.microsoft.com/office/drawing/2014/main" id="{41C4766C-0455-08C9-F8B2-3951066B28C4}"/>
+              </a:ext>
+            </a:extLst>
+          </p:cNvPr>
+          <p:cNvSpPr/>
+          <p:nvPr/>
+        </p:nvSpPr>
+        <p:spPr>
+          <a:xfrm>
+            <a:off x="1712024" y="1355271"/>
+            <a:ext cx="2947307" cy="1543050"/>
+          </a:xfrm>
+          <a:prstGeom prst="rect">
+            <a:avLst/>
+          </a:prstGeom>
+        </p:spPr>
+        <p:style>
+          <a:lnRef idx="2">
+            <a:schemeClr val="accent2"/>
+          </a:lnRef>
+          <a:fillRef idx="1">
+            <a:schemeClr val="lt1"/>
+          </a:fillRef>
+          <a:effectRef idx="0">
+            <a:schemeClr val="accent2"/>
+          </a:effectRef>
+          <a:fontRef idx="minor">
+            <a:schemeClr val="dk1"/>
+          </a:fontRef>
+        </p:style>
+        <p:txBody>
+          <a:bodyPr rtlCol="0" anchor="ctr"/>
+          <a:lstStyle/>
+          <a:p>
+            <a:pPr algn="ctr"/>
+            <a:endParaRPr lang="en-US" sz="1000">
+              <a:latin typeface="Consolas" panose="020B0609020204030204" pitchFamily="49" charset="0"/>
+            </a:endParaRPr>
+          </a:p>
+        </p:txBody>
+      </p:sp>
+      <p:sp>
+        <p:nvSpPr>
+          <p:cNvPr id="3" name="TextBox 2">
+            <a:extLst>
+              <a:ext uri="{FF2B5EF4-FFF2-40B4-BE49-F238E27FC236}">
+                <a16:creationId xmlns:a16="http://schemas.microsoft.com/office/drawing/2014/main" id="{1944F43F-6496-6279-5474-91731DE7CD0E}"/>
+              </a:ext>
+            </a:extLst>
+          </p:cNvPr>
+          <p:cNvSpPr txBox="1"/>
+          <p:nvPr/>
+        </p:nvSpPr>
+        <p:spPr>
+          <a:xfrm>
+            <a:off x="1829296" y="985939"/>
+            <a:ext cx="1465529" cy="369332"/>
+          </a:xfrm>
+          <a:prstGeom prst="rect">
+            <a:avLst/>
+          </a:prstGeom>
+          <a:noFill/>
+        </p:spPr>
+        <p:txBody>
+          <a:bodyPr wrap="none" rtlCol="0">
+            <a:spAutoFit/>
+          </a:bodyPr>
+          <a:lstStyle/>
+          <a:p>
+            <a:r>
+              <a:rPr lang="en-US" altLang="zh-TW"/>
+              <a:t>Gnuradio - TX</a:t>
+            </a:r>
+            <a:endParaRPr lang="zh-TW" altLang="en-US"/>
+          </a:p>
+        </p:txBody>
+      </p:sp>
+      <p:sp>
+        <p:nvSpPr>
+          <p:cNvPr id="18" name="Rectangle 13">
+            <a:extLst>
+              <a:ext uri="{FF2B5EF4-FFF2-40B4-BE49-F238E27FC236}">
+                <a16:creationId xmlns:a16="http://schemas.microsoft.com/office/drawing/2014/main" id="{CDC0018B-6852-97E7-6201-CD63F7C10E9D}"/>
+              </a:ext>
+            </a:extLst>
+          </p:cNvPr>
+          <p:cNvSpPr/>
+          <p:nvPr/>
+        </p:nvSpPr>
+        <p:spPr>
+          <a:xfrm>
+            <a:off x="1829296" y="1857374"/>
+            <a:ext cx="851561" cy="538843"/>
+          </a:xfrm>
+          <a:prstGeom prst="rect">
+            <a:avLst/>
+          </a:prstGeom>
+        </p:spPr>
+        <p:style>
+          <a:lnRef idx="2">
+            <a:schemeClr val="accent3"/>
+          </a:lnRef>
+          <a:fillRef idx="1">
+            <a:schemeClr val="lt1"/>
+          </a:fillRef>
+          <a:effectRef idx="0">
+            <a:schemeClr val="accent3"/>
+          </a:effectRef>
+          <a:fontRef idx="minor">
+            <a:schemeClr val="dk1"/>
+          </a:fontRef>
+        </p:style>
+        <p:txBody>
+          <a:bodyPr rtlCol="0" anchor="ctr"/>
+          <a:lstStyle/>
+          <a:p>
+            <a:pPr algn="ctr"/>
+            <a:r>
+              <a:rPr lang="en-US" sz="1000">
+                <a:latin typeface="Consolas" panose="020B0609020204030204" pitchFamily="49" charset="0"/>
+              </a:rPr>
+              <a:t>redis-source</a:t>
+            </a:r>
+          </a:p>
+        </p:txBody>
+      </p:sp>
+      <p:sp>
+        <p:nvSpPr>
+          <p:cNvPr id="20" name="Rectangle 13">
+            <a:extLst>
+              <a:ext uri="{FF2B5EF4-FFF2-40B4-BE49-F238E27FC236}">
+                <a16:creationId xmlns:a16="http://schemas.microsoft.com/office/drawing/2014/main" id="{F7F5F60C-E671-4D73-BF66-53835DB13DD4}"/>
+              </a:ext>
+            </a:extLst>
+          </p:cNvPr>
+          <p:cNvSpPr/>
+          <p:nvPr/>
+        </p:nvSpPr>
+        <p:spPr>
+          <a:xfrm>
+            <a:off x="7217471" y="1857373"/>
+            <a:ext cx="851561" cy="538843"/>
+          </a:xfrm>
+          <a:prstGeom prst="rect">
+            <a:avLst/>
+          </a:prstGeom>
+        </p:spPr>
+        <p:style>
+          <a:lnRef idx="2">
+            <a:schemeClr val="accent3"/>
+          </a:lnRef>
+          <a:fillRef idx="1">
+            <a:schemeClr val="lt1"/>
+          </a:fillRef>
+          <a:effectRef idx="0">
+            <a:schemeClr val="accent3"/>
+          </a:effectRef>
+          <a:fontRef idx="minor">
+            <a:schemeClr val="dk1"/>
+          </a:fontRef>
+        </p:style>
+        <p:txBody>
+          <a:bodyPr rtlCol="0" anchor="ctr"/>
+          <a:lstStyle/>
+          <a:p>
+            <a:pPr algn="ctr"/>
+            <a:r>
+              <a:rPr lang="en-US" sz="1000">
+                <a:latin typeface="Consolas" panose="020B0609020204030204" pitchFamily="49" charset="0"/>
+              </a:rPr>
+              <a:t>redis-sink</a:t>
+            </a:r>
+          </a:p>
+        </p:txBody>
+      </p:sp>
+      <p:sp>
+        <p:nvSpPr>
+          <p:cNvPr id="21" name="Rectangle 14">
+            <a:extLst>
+              <a:ext uri="{FF2B5EF4-FFF2-40B4-BE49-F238E27FC236}">
+                <a16:creationId xmlns:a16="http://schemas.microsoft.com/office/drawing/2014/main" id="{A48E5A71-D7D1-27DF-176C-32DA98233148}"/>
+              </a:ext>
+            </a:extLst>
+          </p:cNvPr>
+          <p:cNvSpPr/>
+          <p:nvPr/>
+        </p:nvSpPr>
+        <p:spPr>
+          <a:xfrm>
+            <a:off x="1564052" y="4475639"/>
+            <a:ext cx="1215488" cy="662953"/>
+          </a:xfrm>
+          <a:prstGeom prst="rect">
+            <a:avLst/>
+          </a:prstGeom>
+        </p:spPr>
+        <p:style>
+          <a:lnRef idx="2">
+            <a:schemeClr val="accent4"/>
+          </a:lnRef>
+          <a:fillRef idx="1">
+            <a:schemeClr val="lt1"/>
+          </a:fillRef>
+          <a:effectRef idx="0">
+            <a:schemeClr val="accent4"/>
+          </a:effectRef>
+          <a:fontRef idx="minor">
+            <a:schemeClr val="dk1"/>
+          </a:fontRef>
+        </p:style>
+        <p:txBody>
+          <a:bodyPr rtlCol="0" anchor="ctr"/>
+          <a:lstStyle/>
+          <a:p>
+            <a:pPr algn="ctr"/>
+            <a:r>
+              <a:rPr lang="en-US" sz="1000">
+                <a:latin typeface="Consolas" panose="020B0609020204030204" pitchFamily="49" charset="0"/>
+              </a:rPr>
+              <a:t>Transmission agent</a:t>
+            </a:r>
+          </a:p>
+        </p:txBody>
+      </p:sp>
+      <p:sp>
+        <p:nvSpPr>
+          <p:cNvPr id="22" name="Rectangle 14">
+            <a:extLst>
+              <a:ext uri="{FF2B5EF4-FFF2-40B4-BE49-F238E27FC236}">
+                <a16:creationId xmlns:a16="http://schemas.microsoft.com/office/drawing/2014/main" id="{CE438DE4-57E6-300C-35F2-3BF7954B0AC3}"/>
+              </a:ext>
+            </a:extLst>
+          </p:cNvPr>
+          <p:cNvSpPr/>
+          <p:nvPr/>
+        </p:nvSpPr>
+        <p:spPr>
+          <a:xfrm>
+            <a:off x="4098472" y="4475639"/>
+            <a:ext cx="1215488" cy="662953"/>
+          </a:xfrm>
+          <a:prstGeom prst="rect">
+            <a:avLst/>
+          </a:prstGeom>
+        </p:spPr>
+        <p:style>
+          <a:lnRef idx="2">
+            <a:schemeClr val="accent4"/>
+          </a:lnRef>
+          <a:fillRef idx="1">
+            <a:schemeClr val="lt1"/>
+          </a:fillRef>
+          <a:effectRef idx="0">
+            <a:schemeClr val="accent4"/>
+          </a:effectRef>
+          <a:fontRef idx="minor">
+            <a:schemeClr val="dk1"/>
+          </a:fontRef>
+        </p:style>
+        <p:txBody>
+          <a:bodyPr rtlCol="0" anchor="ctr"/>
+          <a:lstStyle/>
+          <a:p>
+            <a:pPr algn="ctr"/>
+            <a:r>
+              <a:rPr lang="en-US" sz="1000">
+                <a:latin typeface="Consolas" panose="020B0609020204030204" pitchFamily="49" charset="0"/>
+              </a:rPr>
+              <a:t>Queue agent</a:t>
+            </a:r>
+          </a:p>
+        </p:txBody>
+      </p:sp>
+      <p:sp>
+        <p:nvSpPr>
+          <p:cNvPr id="23" name="Rectangle 14">
+            <a:extLst>
+              <a:ext uri="{FF2B5EF4-FFF2-40B4-BE49-F238E27FC236}">
+                <a16:creationId xmlns:a16="http://schemas.microsoft.com/office/drawing/2014/main" id="{C2AB0019-E5AB-22CF-12D8-60FD18B424EC}"/>
+              </a:ext>
+            </a:extLst>
+          </p:cNvPr>
+          <p:cNvSpPr/>
+          <p:nvPr/>
+        </p:nvSpPr>
+        <p:spPr>
+          <a:xfrm>
+            <a:off x="6581624" y="4475639"/>
+            <a:ext cx="1215488" cy="662953"/>
+          </a:xfrm>
+          <a:prstGeom prst="rect">
+            <a:avLst/>
+          </a:prstGeom>
+        </p:spPr>
+        <p:style>
+          <a:lnRef idx="2">
+            <a:schemeClr val="accent4"/>
+          </a:lnRef>
+          <a:fillRef idx="1">
+            <a:schemeClr val="lt1"/>
+          </a:fillRef>
+          <a:effectRef idx="0">
+            <a:schemeClr val="accent4"/>
+          </a:effectRef>
+          <a:fontRef idx="minor">
+            <a:schemeClr val="dk1"/>
+          </a:fontRef>
+        </p:style>
+        <p:txBody>
+          <a:bodyPr rtlCol="0" anchor="ctr"/>
+          <a:lstStyle/>
+          <a:p>
+            <a:pPr algn="ctr"/>
+            <a:r>
+              <a:rPr lang="en-US" sz="1000">
+                <a:latin typeface="Consolas" panose="020B0609020204030204" pitchFamily="49" charset="0"/>
+              </a:rPr>
+              <a:t>Action agent</a:t>
+            </a:r>
+          </a:p>
+        </p:txBody>
+      </p:sp>
+      <p:sp>
+        <p:nvSpPr>
+          <p:cNvPr id="25" name="TextBox 24">
+            <a:extLst>
+              <a:ext uri="{FF2B5EF4-FFF2-40B4-BE49-F238E27FC236}">
+                <a16:creationId xmlns:a16="http://schemas.microsoft.com/office/drawing/2014/main" id="{3AEC31F4-32B5-692C-B339-05DD0E7AA0E1}"/>
+              </a:ext>
+            </a:extLst>
+          </p:cNvPr>
+          <p:cNvSpPr txBox="1"/>
+          <p:nvPr/>
+        </p:nvSpPr>
+        <p:spPr>
+          <a:xfrm>
+            <a:off x="5295155" y="985939"/>
+            <a:ext cx="1478353" cy="369332"/>
+          </a:xfrm>
+          <a:prstGeom prst="rect">
+            <a:avLst/>
+          </a:prstGeom>
+          <a:noFill/>
+        </p:spPr>
+        <p:txBody>
+          <a:bodyPr wrap="none" rtlCol="0">
+            <a:spAutoFit/>
+          </a:bodyPr>
+          <a:lstStyle/>
+          <a:p>
+            <a:r>
+              <a:rPr lang="en-US" altLang="zh-TW"/>
+              <a:t>Gnuradio - RX</a:t>
+            </a:r>
+            <a:endParaRPr lang="zh-TW" altLang="en-US"/>
+          </a:p>
+        </p:txBody>
+      </p:sp>
+      <p:sp>
+        <p:nvSpPr>
+          <p:cNvPr id="26" name="Rectangle 15">
+            <a:extLst>
+              <a:ext uri="{FF2B5EF4-FFF2-40B4-BE49-F238E27FC236}">
+                <a16:creationId xmlns:a16="http://schemas.microsoft.com/office/drawing/2014/main" id="{D03BAC28-A18E-DEBB-7E74-46FD8A312711}"/>
+              </a:ext>
+            </a:extLst>
+          </p:cNvPr>
+          <p:cNvSpPr/>
+          <p:nvPr/>
+        </p:nvSpPr>
+        <p:spPr>
+          <a:xfrm>
+            <a:off x="3927885" y="1959428"/>
+            <a:ext cx="677636" cy="334736"/>
+          </a:xfrm>
+          <a:prstGeom prst="rect">
+            <a:avLst/>
+          </a:prstGeom>
+        </p:spPr>
+        <p:style>
+          <a:lnRef idx="2">
+            <a:schemeClr val="accent5"/>
+          </a:lnRef>
+          <a:fillRef idx="1">
+            <a:schemeClr val="lt1"/>
+          </a:fillRef>
+          <a:effectRef idx="0">
+            <a:schemeClr val="accent5"/>
+          </a:effectRef>
+          <a:fontRef idx="minor">
+            <a:schemeClr val="dk1"/>
+          </a:fontRef>
+        </p:style>
+        <p:txBody>
+          <a:bodyPr rtlCol="0" anchor="ctr"/>
+          <a:lstStyle/>
+          <a:p>
+            <a:pPr algn="ctr"/>
+            <a:r>
+              <a:rPr lang="en-US" sz="1000">
+                <a:latin typeface="Consolas" panose="020B0609020204030204" pitchFamily="49" charset="0"/>
+              </a:rPr>
+              <a:t>Antenna</a:t>
+            </a:r>
+          </a:p>
+        </p:txBody>
+      </p:sp>
+      <p:sp>
+        <p:nvSpPr>
+          <p:cNvPr id="27" name="Rectangle 15">
+            <a:extLst>
+              <a:ext uri="{FF2B5EF4-FFF2-40B4-BE49-F238E27FC236}">
+                <a16:creationId xmlns:a16="http://schemas.microsoft.com/office/drawing/2014/main" id="{CF594790-9AD3-8A80-8F24-21EB0806A908}"/>
+              </a:ext>
+            </a:extLst>
+          </p:cNvPr>
+          <p:cNvSpPr/>
+          <p:nvPr/>
+        </p:nvSpPr>
+        <p:spPr>
+          <a:xfrm>
+            <a:off x="5309750" y="1959428"/>
+            <a:ext cx="677636" cy="334736"/>
+          </a:xfrm>
+          <a:prstGeom prst="rect">
+            <a:avLst/>
+          </a:prstGeom>
+        </p:spPr>
+        <p:style>
+          <a:lnRef idx="2">
+            <a:schemeClr val="accent5"/>
+          </a:lnRef>
+          <a:fillRef idx="1">
+            <a:schemeClr val="lt1"/>
+          </a:fillRef>
+          <a:effectRef idx="0">
+            <a:schemeClr val="accent5"/>
+          </a:effectRef>
+          <a:fontRef idx="minor">
+            <a:schemeClr val="dk1"/>
+          </a:fontRef>
+        </p:style>
+        <p:txBody>
+          <a:bodyPr rtlCol="0" anchor="ctr"/>
+          <a:lstStyle/>
+          <a:p>
+            <a:pPr algn="ctr"/>
+            <a:r>
+              <a:rPr lang="en-US" sz="1000">
+                <a:latin typeface="Consolas" panose="020B0609020204030204" pitchFamily="49" charset="0"/>
+              </a:rPr>
+              <a:t>Antenna</a:t>
+            </a:r>
+          </a:p>
+        </p:txBody>
+      </p:sp>
+      <p:cxnSp>
+        <p:nvCxnSpPr>
+          <p:cNvPr id="28" name="Straight Arrow Connector 21">
+            <a:extLst>
+              <a:ext uri="{FF2B5EF4-FFF2-40B4-BE49-F238E27FC236}">
+                <a16:creationId xmlns:a16="http://schemas.microsoft.com/office/drawing/2014/main" id="{3B3809FF-1E9B-C63E-F6B1-9F68070DCC8A}"/>
+              </a:ext>
+            </a:extLst>
+          </p:cNvPr>
+          <p:cNvCxnSpPr>
+            <a:cxnSpLocks/>
+            <a:stCxn id="18" idx="3"/>
+            <a:endCxn id="26" idx="1"/>
+          </p:cNvCxnSpPr>
+          <p:nvPr/>
+        </p:nvCxnSpPr>
+        <p:spPr>
+          <a:xfrm>
+            <a:off x="2680857" y="2126796"/>
+            <a:ext cx="1247028" cy="0"/>
+          </a:xfrm>
+          <a:prstGeom prst="straightConnector1">
+            <a:avLst/>
+          </a:prstGeom>
+          <a:ln>
+            <a:solidFill>
+              <a:schemeClr val="tx1"/>
+            </a:solidFill>
+            <a:tailEnd type="triangle"/>
+          </a:ln>
+        </p:spPr>
+        <p:style>
+          <a:lnRef idx="1">
+            <a:schemeClr val="accent1"/>
+          </a:lnRef>
+          <a:fillRef idx="0">
+            <a:schemeClr val="accent1"/>
+          </a:fillRef>
+          <a:effectRef idx="0">
+            <a:schemeClr val="accent1"/>
+          </a:effectRef>
+          <a:fontRef idx="minor">
+            <a:schemeClr val="tx1"/>
+          </a:fontRef>
+        </p:style>
+      </p:cxnSp>
+      <p:cxnSp>
+        <p:nvCxnSpPr>
+          <p:cNvPr id="32" name="Straight Arrow Connector 21">
+            <a:extLst>
+              <a:ext uri="{FF2B5EF4-FFF2-40B4-BE49-F238E27FC236}">
+                <a16:creationId xmlns:a16="http://schemas.microsoft.com/office/drawing/2014/main" id="{9A39F776-1C10-FF77-8609-280C0E188BDB}"/>
+              </a:ext>
+            </a:extLst>
+          </p:cNvPr>
+          <p:cNvCxnSpPr>
+            <a:cxnSpLocks/>
+            <a:stCxn id="27" idx="3"/>
+            <a:endCxn id="20" idx="1"/>
+          </p:cNvCxnSpPr>
+          <p:nvPr/>
+        </p:nvCxnSpPr>
+        <p:spPr>
+          <a:xfrm flipV="1">
+            <a:off x="5987386" y="2126795"/>
+            <a:ext cx="1230085" cy="1"/>
+          </a:xfrm>
+          <a:prstGeom prst="straightConnector1">
+            <a:avLst/>
+          </a:prstGeom>
+          <a:ln>
+            <a:solidFill>
+              <a:schemeClr val="tx1"/>
+            </a:solidFill>
+            <a:tailEnd type="triangle"/>
+          </a:ln>
+        </p:spPr>
+        <p:style>
+          <a:lnRef idx="1">
+            <a:schemeClr val="accent1"/>
+          </a:lnRef>
+          <a:fillRef idx="0">
+            <a:schemeClr val="accent1"/>
+          </a:fillRef>
+          <a:effectRef idx="0">
+            <a:schemeClr val="accent1"/>
+          </a:effectRef>
+          <a:fontRef idx="minor">
+            <a:schemeClr val="tx1"/>
+          </a:fontRef>
+        </p:style>
+      </p:cxnSp>
+      <p:sp>
+        <p:nvSpPr>
+          <p:cNvPr id="39" name="Rectangle 38">
+            <a:extLst>
+              <a:ext uri="{FF2B5EF4-FFF2-40B4-BE49-F238E27FC236}">
+                <a16:creationId xmlns:a16="http://schemas.microsoft.com/office/drawing/2014/main" id="{6F0197FB-6DB1-2ED6-E46C-070FE372EB8F}"/>
+              </a:ext>
+            </a:extLst>
+          </p:cNvPr>
+          <p:cNvSpPr/>
+          <p:nvPr/>
+        </p:nvSpPr>
+        <p:spPr>
+          <a:xfrm>
+            <a:off x="301705" y="3117144"/>
+            <a:ext cx="9127671" cy="566557"/>
+          </a:xfrm>
+          <a:prstGeom prst="rect">
+            <a:avLst/>
+          </a:prstGeom>
+        </p:spPr>
+        <p:style>
+          <a:lnRef idx="2">
+            <a:schemeClr val="accent6">
+              <a:shade val="50000"/>
+            </a:schemeClr>
+          </a:lnRef>
+          <a:fillRef idx="1">
+            <a:schemeClr val="accent6"/>
+          </a:fillRef>
+          <a:effectRef idx="0">
+            <a:schemeClr val="accent6"/>
+          </a:effectRef>
+          <a:fontRef idx="minor">
+            <a:schemeClr val="lt1"/>
+          </a:fontRef>
+        </p:style>
+        <p:txBody>
+          <a:bodyPr rtlCol="0" anchor="ctr"/>
+          <a:lstStyle/>
+          <a:p>
+            <a:pPr algn="ctr"/>
+            <a:r>
+              <a:rPr lang="en-US" b="1">
+                <a:solidFill>
+                  <a:schemeClr val="tx1"/>
+                </a:solidFill>
+                <a:latin typeface="Consolas" panose="020B0609020204030204" pitchFamily="49" charset="0"/>
+              </a:rPr>
+              <a:t>redis-db</a:t>
+            </a:r>
+          </a:p>
+        </p:txBody>
+      </p:sp>
+      <p:cxnSp>
+        <p:nvCxnSpPr>
+          <p:cNvPr id="40" name="Straight Arrow Connector 21">
+            <a:extLst>
+              <a:ext uri="{FF2B5EF4-FFF2-40B4-BE49-F238E27FC236}">
+                <a16:creationId xmlns:a16="http://schemas.microsoft.com/office/drawing/2014/main" id="{D3532708-0CB5-FC17-A475-9CA9584ACC38}"/>
+              </a:ext>
+            </a:extLst>
+          </p:cNvPr>
+          <p:cNvCxnSpPr>
+            <a:cxnSpLocks/>
+            <a:endCxn id="18" idx="2"/>
+          </p:cNvCxnSpPr>
+          <p:nvPr/>
+        </p:nvCxnSpPr>
+        <p:spPr>
+          <a:xfrm flipV="1">
+            <a:off x="2255077" y="2396217"/>
+            <a:ext cx="0" cy="836840"/>
+          </a:xfrm>
+          <a:prstGeom prst="straightConnector1">
+            <a:avLst/>
+          </a:prstGeom>
+          <a:ln>
+            <a:solidFill>
+              <a:schemeClr val="tx1"/>
+            </a:solidFill>
+            <a:tailEnd type="triangle"/>
+          </a:ln>
+        </p:spPr>
+        <p:style>
+          <a:lnRef idx="1">
+            <a:schemeClr val="accent1"/>
+          </a:lnRef>
+          <a:fillRef idx="0">
+            <a:schemeClr val="accent1"/>
+          </a:fillRef>
+          <a:effectRef idx="0">
+            <a:schemeClr val="accent1"/>
+          </a:effectRef>
+          <a:fontRef idx="minor">
+            <a:schemeClr val="tx1"/>
+          </a:fontRef>
+        </p:style>
+      </p:cxnSp>
+      <p:cxnSp>
+        <p:nvCxnSpPr>
+          <p:cNvPr id="44" name="Straight Arrow Connector 21">
+            <a:extLst>
+              <a:ext uri="{FF2B5EF4-FFF2-40B4-BE49-F238E27FC236}">
+                <a16:creationId xmlns:a16="http://schemas.microsoft.com/office/drawing/2014/main" id="{9863C61C-56CF-823B-A14F-AE3F29382E9A}"/>
+              </a:ext>
+            </a:extLst>
+          </p:cNvPr>
+          <p:cNvCxnSpPr>
+            <a:cxnSpLocks/>
+          </p:cNvCxnSpPr>
+          <p:nvPr/>
+        </p:nvCxnSpPr>
+        <p:spPr>
+          <a:xfrm>
+            <a:off x="7692491" y="2396216"/>
+            <a:ext cx="0" cy="720928"/>
+          </a:xfrm>
+          <a:prstGeom prst="straightConnector1">
+            <a:avLst/>
+          </a:prstGeom>
+          <a:ln>
+            <a:solidFill>
+              <a:schemeClr val="tx1"/>
+            </a:solidFill>
+            <a:tailEnd type="triangle"/>
+          </a:ln>
+        </p:spPr>
+        <p:style>
+          <a:lnRef idx="1">
+            <a:schemeClr val="accent1"/>
+          </a:lnRef>
+          <a:fillRef idx="0">
+            <a:schemeClr val="accent1"/>
+          </a:fillRef>
+          <a:effectRef idx="0">
+            <a:schemeClr val="accent1"/>
+          </a:effectRef>
+          <a:fontRef idx="minor">
+            <a:schemeClr val="tx1"/>
+          </a:fontRef>
+        </p:style>
+      </p:cxnSp>
+      <p:sp>
+        <p:nvSpPr>
+          <p:cNvPr id="47" name="TextBox 46">
+            <a:extLst>
+              <a:ext uri="{FF2B5EF4-FFF2-40B4-BE49-F238E27FC236}">
+                <a16:creationId xmlns:a16="http://schemas.microsoft.com/office/drawing/2014/main" id="{FAB76B19-4234-0064-13BD-BE259C8D86EF}"/>
+              </a:ext>
+            </a:extLst>
+          </p:cNvPr>
+          <p:cNvSpPr txBox="1"/>
+          <p:nvPr/>
+        </p:nvSpPr>
+        <p:spPr>
+          <a:xfrm>
+            <a:off x="7696300" y="2932478"/>
+            <a:ext cx="1316771" cy="369332"/>
+          </a:xfrm>
+          <a:prstGeom prst="rect">
+            <a:avLst/>
+          </a:prstGeom>
+          <a:noFill/>
+        </p:spPr>
+        <p:txBody>
+          <a:bodyPr wrap="none" rtlCol="0">
+            <a:spAutoFit/>
+          </a:bodyPr>
+          <a:lstStyle/>
+          <a:p>
+            <a:r>
+              <a:rPr lang="en-US" altLang="zh-TW"/>
+              <a:t>changes key</a:t>
+            </a:r>
+            <a:endParaRPr lang="zh-TW" altLang="en-US"/>
+          </a:p>
+        </p:txBody>
+      </p:sp>
+      <p:sp>
+        <p:nvSpPr>
+          <p:cNvPr id="48" name="TextBox 47">
+            <a:extLst>
+              <a:ext uri="{FF2B5EF4-FFF2-40B4-BE49-F238E27FC236}">
+                <a16:creationId xmlns:a16="http://schemas.microsoft.com/office/drawing/2014/main" id="{0E7BAB43-047A-1EB0-8950-0A8882493F74}"/>
+              </a:ext>
+            </a:extLst>
+          </p:cNvPr>
+          <p:cNvSpPr txBox="1"/>
+          <p:nvPr/>
+        </p:nvSpPr>
+        <p:spPr>
+          <a:xfrm>
+            <a:off x="753540" y="2511304"/>
+            <a:ext cx="1544397" cy="369332"/>
+          </a:xfrm>
+          <a:prstGeom prst="rect">
+            <a:avLst/>
+          </a:prstGeom>
+          <a:noFill/>
+        </p:spPr>
+        <p:txBody>
+          <a:bodyPr wrap="none" rtlCol="0">
+            <a:spAutoFit/>
+          </a:bodyPr>
+          <a:lstStyle/>
+          <a:p>
+            <a:r>
+              <a:rPr lang="en-US" altLang="zh-TW">
+                <a:solidFill>
+                  <a:srgbClr val="FF0000"/>
+                </a:solidFill>
+              </a:rPr>
+              <a:t>key is changed</a:t>
+            </a:r>
+            <a:endParaRPr lang="zh-TW" altLang="en-US">
+              <a:solidFill>
+                <a:srgbClr val="FF0000"/>
+              </a:solidFill>
+            </a:endParaRPr>
+          </a:p>
+        </p:txBody>
+      </p:sp>
+      <p:cxnSp>
+        <p:nvCxnSpPr>
+          <p:cNvPr id="49" name="Straight Arrow Connector 21">
+            <a:extLst>
+              <a:ext uri="{FF2B5EF4-FFF2-40B4-BE49-F238E27FC236}">
+                <a16:creationId xmlns:a16="http://schemas.microsoft.com/office/drawing/2014/main" id="{9639B391-4D8F-0F19-EDD7-33732117C89A}"/>
+              </a:ext>
+            </a:extLst>
+          </p:cNvPr>
+          <p:cNvCxnSpPr>
+            <a:cxnSpLocks/>
+          </p:cNvCxnSpPr>
+          <p:nvPr/>
+        </p:nvCxnSpPr>
+        <p:spPr>
+          <a:xfrm>
+            <a:off x="7692491" y="3323237"/>
+            <a:ext cx="0" cy="720928"/>
+          </a:xfrm>
+          <a:prstGeom prst="straightConnector1">
+            <a:avLst/>
+          </a:prstGeom>
+          <a:ln>
+            <a:solidFill>
+              <a:schemeClr val="tx1"/>
+            </a:solidFill>
+            <a:tailEnd type="triangle"/>
+          </a:ln>
+        </p:spPr>
+        <p:style>
+          <a:lnRef idx="1">
+            <a:schemeClr val="accent1"/>
+          </a:lnRef>
+          <a:fillRef idx="0">
+            <a:schemeClr val="accent1"/>
+          </a:fillRef>
+          <a:effectRef idx="0">
+            <a:schemeClr val="accent1"/>
+          </a:effectRef>
+          <a:fontRef idx="minor">
+            <a:schemeClr val="tx1"/>
+          </a:fontRef>
+        </p:style>
+      </p:cxnSp>
+      <p:cxnSp>
+        <p:nvCxnSpPr>
+          <p:cNvPr id="51" name="Straight Arrow Connector 21">
+            <a:extLst>
+              <a:ext uri="{FF2B5EF4-FFF2-40B4-BE49-F238E27FC236}">
+                <a16:creationId xmlns:a16="http://schemas.microsoft.com/office/drawing/2014/main" id="{20E4F47E-E064-9DEF-6FD7-A6018BB4AE3A}"/>
+              </a:ext>
+            </a:extLst>
+          </p:cNvPr>
+          <p:cNvCxnSpPr>
+            <a:cxnSpLocks/>
+          </p:cNvCxnSpPr>
+          <p:nvPr/>
+        </p:nvCxnSpPr>
+        <p:spPr>
+          <a:xfrm flipV="1">
+            <a:off x="2255077" y="3406975"/>
+            <a:ext cx="0" cy="536375"/>
+          </a:xfrm>
+          <a:prstGeom prst="straightConnector1">
+            <a:avLst/>
+          </a:prstGeom>
+          <a:ln>
+            <a:solidFill>
+              <a:schemeClr val="tx1"/>
+            </a:solidFill>
+            <a:tailEnd type="triangle"/>
+          </a:ln>
+        </p:spPr>
+        <p:style>
+          <a:lnRef idx="1">
+            <a:schemeClr val="accent1"/>
+          </a:lnRef>
+          <a:fillRef idx="0">
+            <a:schemeClr val="accent1"/>
+          </a:fillRef>
+          <a:effectRef idx="0">
+            <a:schemeClr val="accent1"/>
+          </a:effectRef>
+          <a:fontRef idx="minor">
+            <a:schemeClr val="tx1"/>
+          </a:fontRef>
+        </p:style>
+      </p:cxnSp>
+      <p:sp>
+        <p:nvSpPr>
+          <p:cNvPr id="53" name="TextBox 52">
+            <a:extLst>
+              <a:ext uri="{FF2B5EF4-FFF2-40B4-BE49-F238E27FC236}">
+                <a16:creationId xmlns:a16="http://schemas.microsoft.com/office/drawing/2014/main" id="{7B22DA82-F7F9-137A-6E13-72B253BE1034}"/>
+              </a:ext>
+            </a:extLst>
+          </p:cNvPr>
+          <p:cNvSpPr txBox="1"/>
+          <p:nvPr/>
+        </p:nvSpPr>
+        <p:spPr>
+          <a:xfrm>
+            <a:off x="911584" y="3644200"/>
+            <a:ext cx="1316771" cy="369332"/>
+          </a:xfrm>
+          <a:prstGeom prst="rect">
+            <a:avLst/>
+          </a:prstGeom>
+          <a:noFill/>
+        </p:spPr>
+        <p:txBody>
+          <a:bodyPr wrap="none" rtlCol="0">
+            <a:spAutoFit/>
+          </a:bodyPr>
+          <a:lstStyle/>
+          <a:p>
+            <a:r>
+              <a:rPr lang="en-US" altLang="zh-TW"/>
+              <a:t>changes key</a:t>
+            </a:r>
+            <a:endParaRPr lang="zh-TW" altLang="en-US"/>
+          </a:p>
+        </p:txBody>
+      </p:sp>
+      <p:sp>
+        <p:nvSpPr>
+          <p:cNvPr id="54" name="TextBox 53">
+            <a:extLst>
+              <a:ext uri="{FF2B5EF4-FFF2-40B4-BE49-F238E27FC236}">
+                <a16:creationId xmlns:a16="http://schemas.microsoft.com/office/drawing/2014/main" id="{ACD0A7EE-17A9-C8D4-1300-121A6340C428}"/>
+              </a:ext>
+            </a:extLst>
+          </p:cNvPr>
+          <p:cNvSpPr txBox="1"/>
+          <p:nvPr/>
+        </p:nvSpPr>
+        <p:spPr>
+          <a:xfrm>
+            <a:off x="7788735" y="3758684"/>
+            <a:ext cx="1544397" cy="369332"/>
+          </a:xfrm>
+          <a:prstGeom prst="rect">
+            <a:avLst/>
+          </a:prstGeom>
+          <a:noFill/>
+        </p:spPr>
+        <p:txBody>
+          <a:bodyPr wrap="none" rtlCol="0">
+            <a:spAutoFit/>
+          </a:bodyPr>
+          <a:lstStyle/>
+          <a:p>
+            <a:r>
+              <a:rPr lang="en-US" altLang="zh-TW">
+                <a:solidFill>
+                  <a:srgbClr val="FF0000"/>
+                </a:solidFill>
+              </a:rPr>
+              <a:t>key is changed</a:t>
+            </a:r>
+            <a:endParaRPr lang="zh-TW" altLang="en-US">
+              <a:solidFill>
+                <a:srgbClr val="FF0000"/>
+              </a:solidFill>
+            </a:endParaRPr>
+          </a:p>
+        </p:txBody>
+      </p:sp>
+      <p:sp>
+        <p:nvSpPr>
+          <p:cNvPr id="55" name="TextBox 54">
+            <a:extLst>
+              <a:ext uri="{FF2B5EF4-FFF2-40B4-BE49-F238E27FC236}">
+                <a16:creationId xmlns:a16="http://schemas.microsoft.com/office/drawing/2014/main" id="{E5C5810E-5704-DEBC-760E-F39DC3BC0DD9}"/>
+              </a:ext>
+            </a:extLst>
+          </p:cNvPr>
+          <p:cNvSpPr txBox="1"/>
+          <p:nvPr/>
+        </p:nvSpPr>
+        <p:spPr>
+          <a:xfrm>
+            <a:off x="568897" y="1735694"/>
+            <a:ext cx="858120" cy="369332"/>
+          </a:xfrm>
+          <a:prstGeom prst="rect">
+            <a:avLst/>
+          </a:prstGeom>
+          <a:noFill/>
+        </p:spPr>
+        <p:txBody>
+          <a:bodyPr wrap="none" rtlCol="0">
+            <a:spAutoFit/>
+          </a:bodyPr>
+          <a:lstStyle/>
+          <a:p>
+            <a:r>
+              <a:rPr lang="en-US" altLang="zh-TW"/>
+              <a:t>Trans:*</a:t>
+            </a:r>
+            <a:endParaRPr lang="zh-TW" altLang="en-US"/>
+          </a:p>
+        </p:txBody>
+      </p:sp>
+      <p:sp>
+        <p:nvSpPr>
+          <p:cNvPr id="56" name="TextBox 55">
+            <a:extLst>
+              <a:ext uri="{FF2B5EF4-FFF2-40B4-BE49-F238E27FC236}">
+                <a16:creationId xmlns:a16="http://schemas.microsoft.com/office/drawing/2014/main" id="{EB2382E1-7A39-7988-58AE-1BEDB4D5DD90}"/>
+              </a:ext>
+            </a:extLst>
+          </p:cNvPr>
+          <p:cNvSpPr txBox="1"/>
+          <p:nvPr/>
+        </p:nvSpPr>
+        <p:spPr>
+          <a:xfrm>
+            <a:off x="8761633" y="572312"/>
+            <a:ext cx="2191754" cy="2308324"/>
+          </a:xfrm>
+          <a:prstGeom prst="rect">
+            <a:avLst/>
+          </a:prstGeom>
+          <a:noFill/>
+        </p:spPr>
+        <p:txBody>
+          <a:bodyPr wrap="none" rtlCol="0">
+            <a:spAutoFit/>
+          </a:bodyPr>
+          <a:lstStyle/>
+          <a:p>
+            <a:r>
+              <a:rPr lang="en-US" altLang="zh-TW"/>
+              <a:t>RFSYSTEM:STATE</a:t>
+            </a:r>
+          </a:p>
+          <a:p>
+            <a:r>
+              <a:rPr lang="en-US" altLang="zh-TW"/>
+              <a:t>NEW:FREQ:ACK</a:t>
+            </a:r>
+          </a:p>
+          <a:p>
+            <a:r>
+              <a:rPr lang="en-US" altLang="zh-TW"/>
+              <a:t>FAIL:ACK:NUM</a:t>
+            </a:r>
+          </a:p>
+          <a:p>
+            <a:r>
+              <a:rPr lang="en-US" altLang="zh-TW"/>
+              <a:t>TRANS:ACK</a:t>
+            </a:r>
+          </a:p>
+          <a:p>
+            <a:r>
+              <a:rPr lang="en-US" altLang="zh-TW">
+                <a:solidFill>
+                  <a:srgbClr val="FF0000"/>
+                </a:solidFill>
+              </a:rPr>
+              <a:t>SYSTEM:ACTION:HOP</a:t>
+            </a:r>
+          </a:p>
+          <a:p>
+            <a:r>
+              <a:rPr lang="en-US" altLang="zh-TW">
+                <a:solidFill>
+                  <a:srgbClr val="FF0000"/>
+                </a:solidFill>
+              </a:rPr>
+              <a:t>SYSTEM:ACTION:CSI</a:t>
+            </a:r>
+          </a:p>
+          <a:p>
+            <a:r>
+              <a:rPr lang="en-US" altLang="zh-TW"/>
+              <a:t>RFDEVICE:STATE</a:t>
+            </a:r>
+          </a:p>
+          <a:p>
+            <a:r>
+              <a:rPr lang="en-US" altLang="zh-TW"/>
+              <a:t>CSI:{timestamp}</a:t>
+            </a:r>
+            <a:endParaRPr lang="zh-TW" altLang="en-US"/>
+          </a:p>
+        </p:txBody>
+      </p:sp>
+      <p:sp>
+        <p:nvSpPr>
+          <p:cNvPr id="57" name="TextBox 56">
+            <a:extLst>
+              <a:ext uri="{FF2B5EF4-FFF2-40B4-BE49-F238E27FC236}">
+                <a16:creationId xmlns:a16="http://schemas.microsoft.com/office/drawing/2014/main" id="{FE7C6713-D012-09AE-C71C-939FB472C412}"/>
+              </a:ext>
+            </a:extLst>
+          </p:cNvPr>
+          <p:cNvSpPr txBox="1"/>
+          <p:nvPr/>
+        </p:nvSpPr>
+        <p:spPr>
+          <a:xfrm>
+            <a:off x="6401514" y="5064729"/>
+            <a:ext cx="1610056" cy="369332"/>
+          </a:xfrm>
+          <a:prstGeom prst="rect">
+            <a:avLst/>
+          </a:prstGeom>
+          <a:noFill/>
+        </p:spPr>
+        <p:txBody>
+          <a:bodyPr wrap="none" rtlCol="0">
+            <a:spAutoFit/>
+          </a:bodyPr>
+          <a:lstStyle/>
+          <a:p>
+            <a:r>
+              <a:rPr lang="en-US" altLang="zh-TW"/>
+              <a:t>AGENT:ACTION</a:t>
+            </a:r>
+            <a:endParaRPr lang="zh-TW" altLang="en-US"/>
+          </a:p>
+        </p:txBody>
+      </p:sp>
+      <p:sp>
+        <p:nvSpPr>
+          <p:cNvPr id="58" name="Rectangle 57">
+            <a:extLst>
+              <a:ext uri="{FF2B5EF4-FFF2-40B4-BE49-F238E27FC236}">
+                <a16:creationId xmlns:a16="http://schemas.microsoft.com/office/drawing/2014/main" id="{6D0BA5CA-D718-E6B7-26F9-EECB3E63B8D5}"/>
+              </a:ext>
+            </a:extLst>
+          </p:cNvPr>
+          <p:cNvSpPr/>
+          <p:nvPr/>
+        </p:nvSpPr>
+        <p:spPr>
+          <a:xfrm>
+            <a:off x="301705" y="5579480"/>
+            <a:ext cx="9127671" cy="326537"/>
+          </a:xfrm>
+          <a:prstGeom prst="rect">
+            <a:avLst/>
+          </a:prstGeom>
+          <a:solidFill>
+            <a:schemeClr val="bg2"/>
+          </a:solidFill>
+          <a:ln>
+            <a:solidFill>
+              <a:schemeClr val="tx1">
+                <a:lumMod val="95000"/>
+                <a:lumOff val="5000"/>
+              </a:schemeClr>
+            </a:solidFill>
+          </a:ln>
+        </p:spPr>
+        <p:style>
+          <a:lnRef idx="2">
+            <a:schemeClr val="accent6">
+              <a:shade val="50000"/>
+            </a:schemeClr>
+          </a:lnRef>
+          <a:fillRef idx="1">
+            <a:schemeClr val="accent6"/>
+          </a:fillRef>
+          <a:effectRef idx="0">
+            <a:schemeClr val="accent6"/>
+          </a:effectRef>
+          <a:fontRef idx="minor">
+            <a:schemeClr val="lt1"/>
+          </a:fontRef>
+        </p:style>
+        <p:txBody>
+          <a:bodyPr rtlCol="0" anchor="ctr"/>
+          <a:lstStyle/>
+          <a:p>
+            <a:pPr algn="ctr"/>
+            <a:r>
+              <a:rPr lang="en-US" b="1">
+                <a:solidFill>
+                  <a:schemeClr val="tx1"/>
+                </a:solidFill>
+                <a:latin typeface="Consolas" panose="020B0609020204030204" pitchFamily="49" charset="0"/>
+              </a:rPr>
+              <a:t>cmd</a:t>
+            </a:r>
+          </a:p>
+        </p:txBody>
+      </p:sp>
+      <p:sp>
+        <p:nvSpPr>
+          <p:cNvPr id="59" name="TextBox 58">
+            <a:extLst>
+              <a:ext uri="{FF2B5EF4-FFF2-40B4-BE49-F238E27FC236}">
+                <a16:creationId xmlns:a16="http://schemas.microsoft.com/office/drawing/2014/main" id="{E39ECD9D-7B27-32E9-FC0B-D82C2D53B8F8}"/>
+              </a:ext>
+            </a:extLst>
+          </p:cNvPr>
+          <p:cNvSpPr txBox="1"/>
+          <p:nvPr/>
+        </p:nvSpPr>
+        <p:spPr>
+          <a:xfrm>
+            <a:off x="2133000" y="6034888"/>
+            <a:ext cx="6125138" cy="369332"/>
+          </a:xfrm>
+          <a:prstGeom prst="rect">
+            <a:avLst/>
+          </a:prstGeom>
+          <a:noFill/>
+        </p:spPr>
+        <p:txBody>
+          <a:bodyPr wrap="none" rtlCol="0">
+            <a:spAutoFit/>
+          </a:bodyPr>
+          <a:lstStyle/>
+          <a:p>
+            <a:r>
+              <a:rPr lang="en-US" altLang="zh-TW"/>
+              <a:t>&gt; redis-cli set QUEUE:ACTION:TRANS message-1 (10,000 times)</a:t>
+            </a:r>
+            <a:endParaRPr lang="zh-TW" altLang="en-US"/>
+          </a:p>
+        </p:txBody>
+      </p:sp>
+      <p:sp>
+        <p:nvSpPr>
+          <p:cNvPr id="60" name="TextBox 59">
+            <a:extLst>
+              <a:ext uri="{FF2B5EF4-FFF2-40B4-BE49-F238E27FC236}">
+                <a16:creationId xmlns:a16="http://schemas.microsoft.com/office/drawing/2014/main" id="{D358A598-F411-6D6A-E678-58D4A0744579}"/>
+              </a:ext>
+            </a:extLst>
+          </p:cNvPr>
+          <p:cNvSpPr txBox="1"/>
+          <p:nvPr/>
+        </p:nvSpPr>
+        <p:spPr>
+          <a:xfrm>
+            <a:off x="1410663" y="5064729"/>
+            <a:ext cx="1507977" cy="369332"/>
+          </a:xfrm>
+          <a:prstGeom prst="rect">
+            <a:avLst/>
+          </a:prstGeom>
+          <a:noFill/>
+        </p:spPr>
+        <p:txBody>
+          <a:bodyPr wrap="none" rtlCol="0">
+            <a:spAutoFit/>
+          </a:bodyPr>
+          <a:lstStyle/>
+          <a:p>
+            <a:r>
+              <a:rPr lang="en-US" altLang="zh-TW"/>
+              <a:t>AGENT:TRANS</a:t>
+            </a:r>
+            <a:endParaRPr lang="zh-TW" altLang="en-US"/>
+          </a:p>
+        </p:txBody>
+      </p:sp>
+      <p:sp>
+        <p:nvSpPr>
+          <p:cNvPr id="61" name="TextBox 60">
+            <a:extLst>
+              <a:ext uri="{FF2B5EF4-FFF2-40B4-BE49-F238E27FC236}">
+                <a16:creationId xmlns:a16="http://schemas.microsoft.com/office/drawing/2014/main" id="{80BF7F26-DBD8-6DB0-8738-00168D7B2D9E}"/>
+              </a:ext>
+            </a:extLst>
+          </p:cNvPr>
+          <p:cNvSpPr txBox="1"/>
+          <p:nvPr/>
+        </p:nvSpPr>
+        <p:spPr>
+          <a:xfrm>
+            <a:off x="3927885" y="5064729"/>
+            <a:ext cx="1557671" cy="369332"/>
+          </a:xfrm>
+          <a:prstGeom prst="rect">
+            <a:avLst/>
+          </a:prstGeom>
+          <a:noFill/>
+        </p:spPr>
+        <p:txBody>
+          <a:bodyPr wrap="none" rtlCol="0">
+            <a:spAutoFit/>
+          </a:bodyPr>
+          <a:lstStyle/>
+          <a:p>
+            <a:r>
+              <a:rPr lang="en-US" altLang="zh-TW"/>
+              <a:t>AGENT:QUEUE</a:t>
+            </a:r>
+            <a:endParaRPr lang="zh-TW" altLang="en-US"/>
+          </a:p>
+        </p:txBody>
+      </p:sp>
+      <p:sp>
+        <p:nvSpPr>
+          <p:cNvPr id="62" name="TextBox 61">
+            <a:extLst>
+              <a:ext uri="{FF2B5EF4-FFF2-40B4-BE49-F238E27FC236}">
+                <a16:creationId xmlns:a16="http://schemas.microsoft.com/office/drawing/2014/main" id="{D970A790-3484-DED6-CB9E-1813B12E1A64}"/>
+              </a:ext>
+            </a:extLst>
+          </p:cNvPr>
+          <p:cNvSpPr txBox="1"/>
+          <p:nvPr/>
+        </p:nvSpPr>
+        <p:spPr>
+          <a:xfrm>
+            <a:off x="6401514" y="4134707"/>
+            <a:ext cx="1891993" cy="369332"/>
+          </a:xfrm>
+          <a:prstGeom prst="rect">
+            <a:avLst/>
+          </a:prstGeom>
+          <a:noFill/>
+        </p:spPr>
+        <p:txBody>
+          <a:bodyPr wrap="none" rtlCol="0">
+            <a:spAutoFit/>
+          </a:bodyPr>
+          <a:lstStyle/>
+          <a:p>
+            <a:r>
+              <a:rPr lang="en-US" altLang="zh-TW"/>
+              <a:t>SYSTEM:ACTION:*</a:t>
+            </a:r>
+            <a:endParaRPr lang="zh-TW" altLang="en-US"/>
+          </a:p>
+        </p:txBody>
+      </p:sp>
+      <p:sp>
+        <p:nvSpPr>
+          <p:cNvPr id="63" name="TextBox 62">
+            <a:extLst>
+              <a:ext uri="{FF2B5EF4-FFF2-40B4-BE49-F238E27FC236}">
+                <a16:creationId xmlns:a16="http://schemas.microsoft.com/office/drawing/2014/main" id="{BFD68EBD-5B96-8826-AD96-70215A5F9F34}"/>
+              </a:ext>
+            </a:extLst>
+          </p:cNvPr>
+          <p:cNvSpPr txBox="1"/>
+          <p:nvPr/>
+        </p:nvSpPr>
+        <p:spPr>
+          <a:xfrm>
+            <a:off x="1410663" y="4134707"/>
+            <a:ext cx="1635384" cy="369332"/>
+          </a:xfrm>
+          <a:prstGeom prst="rect">
+            <a:avLst/>
+          </a:prstGeom>
+          <a:noFill/>
+        </p:spPr>
+        <p:txBody>
+          <a:bodyPr wrap="none" rtlCol="0">
+            <a:spAutoFit/>
+          </a:bodyPr>
+          <a:lstStyle/>
+          <a:p>
+            <a:r>
+              <a:rPr lang="en-US" altLang="zh-TW"/>
+              <a:t>TRANSMISSION</a:t>
+            </a:r>
+            <a:endParaRPr lang="zh-TW" altLang="en-US"/>
+          </a:p>
+        </p:txBody>
+      </p:sp>
+      <p:sp>
+        <p:nvSpPr>
+          <p:cNvPr id="64" name="TextBox 63">
+            <a:extLst>
+              <a:ext uri="{FF2B5EF4-FFF2-40B4-BE49-F238E27FC236}">
+                <a16:creationId xmlns:a16="http://schemas.microsoft.com/office/drawing/2014/main" id="{DD6B859C-E134-68D9-AB70-D2CBB2AFE7D6}"/>
+              </a:ext>
+            </a:extLst>
+          </p:cNvPr>
+          <p:cNvSpPr txBox="1"/>
+          <p:nvPr/>
+        </p:nvSpPr>
+        <p:spPr>
+          <a:xfrm>
+            <a:off x="3722966" y="4134707"/>
+            <a:ext cx="1966500" cy="369332"/>
+          </a:xfrm>
+          <a:prstGeom prst="rect">
+            <a:avLst/>
+          </a:prstGeom>
+          <a:noFill/>
+        </p:spPr>
+        <p:txBody>
+          <a:bodyPr wrap="none" rtlCol="0">
+            <a:spAutoFit/>
+          </a:bodyPr>
+          <a:lstStyle/>
+          <a:p>
+            <a:r>
+              <a:rPr lang="en-US" altLang="zh-TW"/>
+              <a:t>QUEUE:LIST:TRANS</a:t>
+            </a:r>
+            <a:endParaRPr lang="zh-TW" altLang="en-US"/>
+          </a:p>
+        </p:txBody>
+      </p:sp>
+      <p:cxnSp>
+        <p:nvCxnSpPr>
+          <p:cNvPr id="65" name="Straight Arrow Connector 21">
+            <a:extLst>
+              <a:ext uri="{FF2B5EF4-FFF2-40B4-BE49-F238E27FC236}">
+                <a16:creationId xmlns:a16="http://schemas.microsoft.com/office/drawing/2014/main" id="{CD21902D-A10E-C1BF-E4A6-5A4F77D36501}"/>
+              </a:ext>
+            </a:extLst>
+          </p:cNvPr>
+          <p:cNvCxnSpPr>
+            <a:cxnSpLocks/>
+          </p:cNvCxnSpPr>
+          <p:nvPr/>
+        </p:nvCxnSpPr>
+        <p:spPr>
+          <a:xfrm flipH="1">
+            <a:off x="7617279" y="2204357"/>
+            <a:ext cx="2865664" cy="2530929"/>
+          </a:xfrm>
+          <a:prstGeom prst="straightConnector1">
+            <a:avLst/>
+          </a:prstGeom>
+          <a:ln>
+            <a:solidFill>
+              <a:srgbClr val="FF0000"/>
+            </a:solidFill>
+            <a:tailEnd type="triangle"/>
           </a:ln>
         </p:spPr>
         <p:style>
@@ -25635,6 +27108,756 @@
           </a:fontRef>
         </p:style>
       </p:cxnSp>
+      <p:sp>
+        <p:nvSpPr>
+          <p:cNvPr id="2" name="Rectangle 1">
+            <a:extLst>
+              <a:ext uri="{FF2B5EF4-FFF2-40B4-BE49-F238E27FC236}">
+                <a16:creationId xmlns:a16="http://schemas.microsoft.com/office/drawing/2014/main" id="{A8CE2026-D979-FAED-E052-4FA17309BEA2}"/>
+              </a:ext>
+            </a:extLst>
+          </p:cNvPr>
+          <p:cNvSpPr/>
+          <p:nvPr/>
+        </p:nvSpPr>
+        <p:spPr>
+          <a:xfrm>
+            <a:off x="6781895" y="2700766"/>
+            <a:ext cx="3414773" cy="566557"/>
+          </a:xfrm>
+          <a:prstGeom prst="rect">
+            <a:avLst/>
+          </a:prstGeom>
+        </p:spPr>
+        <p:style>
+          <a:lnRef idx="2">
+            <a:schemeClr val="accent6">
+              <a:shade val="50000"/>
+            </a:schemeClr>
+          </a:lnRef>
+          <a:fillRef idx="1">
+            <a:schemeClr val="accent6"/>
+          </a:fillRef>
+          <a:effectRef idx="0">
+            <a:schemeClr val="accent6"/>
+          </a:effectRef>
+          <a:fontRef idx="minor">
+            <a:schemeClr val="lt1"/>
+          </a:fontRef>
+        </p:style>
+        <p:txBody>
+          <a:bodyPr rtlCol="0" anchor="ctr"/>
+          <a:lstStyle/>
+          <a:p>
+            <a:pPr algn="ctr"/>
+            <a:r>
+              <a:rPr lang="en-US" b="1">
+                <a:solidFill>
+                  <a:schemeClr val="tx1"/>
+                </a:solidFill>
+                <a:latin typeface="Consolas" panose="020B0609020204030204" pitchFamily="49" charset="0"/>
+              </a:rPr>
+              <a:t>redis-db RX</a:t>
+            </a:r>
+          </a:p>
+        </p:txBody>
+      </p:sp>
+      <p:sp>
+        <p:nvSpPr>
+          <p:cNvPr id="3" name="Rectangle 2">
+            <a:extLst>
+              <a:ext uri="{FF2B5EF4-FFF2-40B4-BE49-F238E27FC236}">
+                <a16:creationId xmlns:a16="http://schemas.microsoft.com/office/drawing/2014/main" id="{3CE47D7E-A6F2-6A2E-7787-89E5463B7AFC}"/>
+              </a:ext>
+            </a:extLst>
+          </p:cNvPr>
+          <p:cNvSpPr/>
+          <p:nvPr/>
+        </p:nvSpPr>
+        <p:spPr>
+          <a:xfrm>
+            <a:off x="719054" y="2700766"/>
+            <a:ext cx="3414773" cy="566557"/>
+          </a:xfrm>
+          <a:prstGeom prst="rect">
+            <a:avLst/>
+          </a:prstGeom>
+        </p:spPr>
+        <p:style>
+          <a:lnRef idx="2">
+            <a:schemeClr val="accent6">
+              <a:shade val="50000"/>
+            </a:schemeClr>
+          </a:lnRef>
+          <a:fillRef idx="1">
+            <a:schemeClr val="accent6"/>
+          </a:fillRef>
+          <a:effectRef idx="0">
+            <a:schemeClr val="accent6"/>
+          </a:effectRef>
+          <a:fontRef idx="minor">
+            <a:schemeClr val="lt1"/>
+          </a:fontRef>
+        </p:style>
+        <p:txBody>
+          <a:bodyPr rtlCol="0" anchor="ctr"/>
+          <a:lstStyle/>
+          <a:p>
+            <a:pPr algn="ctr"/>
+            <a:r>
+              <a:rPr lang="en-US" b="1">
+                <a:solidFill>
+                  <a:schemeClr val="tx1"/>
+                </a:solidFill>
+                <a:latin typeface="Consolas" panose="020B0609020204030204" pitchFamily="49" charset="0"/>
+              </a:rPr>
+              <a:t>redis-db TX</a:t>
+            </a:r>
+          </a:p>
+        </p:txBody>
+      </p:sp>
+      <p:sp>
+        <p:nvSpPr>
+          <p:cNvPr id="18" name="TextBox 17">
+            <a:extLst>
+              <a:ext uri="{FF2B5EF4-FFF2-40B4-BE49-F238E27FC236}">
+                <a16:creationId xmlns:a16="http://schemas.microsoft.com/office/drawing/2014/main" id="{6D3B3ACD-6218-070E-DE69-BDC4C2550655}"/>
+              </a:ext>
+            </a:extLst>
+          </p:cNvPr>
+          <p:cNvSpPr txBox="1"/>
+          <p:nvPr/>
+        </p:nvSpPr>
+        <p:spPr>
+          <a:xfrm>
+            <a:off x="1829296" y="925062"/>
+            <a:ext cx="1465529" cy="369332"/>
+          </a:xfrm>
+          <a:prstGeom prst="rect">
+            <a:avLst/>
+          </a:prstGeom>
+          <a:noFill/>
+        </p:spPr>
+        <p:txBody>
+          <a:bodyPr wrap="none" rtlCol="0">
+            <a:spAutoFit/>
+          </a:bodyPr>
+          <a:lstStyle/>
+          <a:p>
+            <a:r>
+              <a:rPr lang="en-US" altLang="zh-TW"/>
+              <a:t>Gnuradio - TX</a:t>
+            </a:r>
+            <a:endParaRPr lang="zh-TW" altLang="en-US"/>
+          </a:p>
+        </p:txBody>
+      </p:sp>
+      <p:sp>
+        <p:nvSpPr>
+          <p:cNvPr id="19" name="TextBox 18">
+            <a:extLst>
+              <a:ext uri="{FF2B5EF4-FFF2-40B4-BE49-F238E27FC236}">
+                <a16:creationId xmlns:a16="http://schemas.microsoft.com/office/drawing/2014/main" id="{9CC0F9FF-4998-2ACE-A334-54449635E2D5}"/>
+              </a:ext>
+            </a:extLst>
+          </p:cNvPr>
+          <p:cNvSpPr txBox="1"/>
+          <p:nvPr/>
+        </p:nvSpPr>
+        <p:spPr>
+          <a:xfrm>
+            <a:off x="1816472" y="1294394"/>
+            <a:ext cx="1478353" cy="369332"/>
+          </a:xfrm>
+          <a:prstGeom prst="rect">
+            <a:avLst/>
+          </a:prstGeom>
+          <a:noFill/>
+        </p:spPr>
+        <p:txBody>
+          <a:bodyPr wrap="none" rtlCol="0">
+            <a:spAutoFit/>
+          </a:bodyPr>
+          <a:lstStyle/>
+          <a:p>
+            <a:r>
+              <a:rPr lang="en-US" altLang="zh-TW"/>
+              <a:t>Gnuradio - RX</a:t>
+            </a:r>
+            <a:endParaRPr lang="zh-TW" altLang="en-US"/>
+          </a:p>
+        </p:txBody>
+      </p:sp>
+      <p:sp>
+        <p:nvSpPr>
+          <p:cNvPr id="20" name="TextBox 19">
+            <a:extLst>
+              <a:ext uri="{FF2B5EF4-FFF2-40B4-BE49-F238E27FC236}">
+                <a16:creationId xmlns:a16="http://schemas.microsoft.com/office/drawing/2014/main" id="{49D0789E-F51C-5E30-9C2E-965D12BBE273}"/>
+              </a:ext>
+            </a:extLst>
+          </p:cNvPr>
+          <p:cNvSpPr txBox="1"/>
+          <p:nvPr/>
+        </p:nvSpPr>
+        <p:spPr>
+          <a:xfrm>
+            <a:off x="7576883" y="925062"/>
+            <a:ext cx="1465529" cy="369332"/>
+          </a:xfrm>
+          <a:prstGeom prst="rect">
+            <a:avLst/>
+          </a:prstGeom>
+          <a:noFill/>
+        </p:spPr>
+        <p:txBody>
+          <a:bodyPr wrap="none" rtlCol="0">
+            <a:spAutoFit/>
+          </a:bodyPr>
+          <a:lstStyle/>
+          <a:p>
+            <a:r>
+              <a:rPr lang="en-US" altLang="zh-TW"/>
+              <a:t>Gnuradio - TX</a:t>
+            </a:r>
+            <a:endParaRPr lang="zh-TW" altLang="en-US"/>
+          </a:p>
+        </p:txBody>
+      </p:sp>
+      <p:sp>
+        <p:nvSpPr>
+          <p:cNvPr id="21" name="TextBox 20">
+            <a:extLst>
+              <a:ext uri="{FF2B5EF4-FFF2-40B4-BE49-F238E27FC236}">
+                <a16:creationId xmlns:a16="http://schemas.microsoft.com/office/drawing/2014/main" id="{FA4EA260-DEBE-4D59-1D5A-68A40CED87C5}"/>
+              </a:ext>
+            </a:extLst>
+          </p:cNvPr>
+          <p:cNvSpPr txBox="1"/>
+          <p:nvPr/>
+        </p:nvSpPr>
+        <p:spPr>
+          <a:xfrm>
+            <a:off x="7564059" y="1294394"/>
+            <a:ext cx="1478353" cy="369332"/>
+          </a:xfrm>
+          <a:prstGeom prst="rect">
+            <a:avLst/>
+          </a:prstGeom>
+          <a:noFill/>
+        </p:spPr>
+        <p:txBody>
+          <a:bodyPr wrap="none" rtlCol="0">
+            <a:spAutoFit/>
+          </a:bodyPr>
+          <a:lstStyle/>
+          <a:p>
+            <a:r>
+              <a:rPr lang="en-US" altLang="zh-TW"/>
+              <a:t>Gnuradio - RX</a:t>
+            </a:r>
+            <a:endParaRPr lang="zh-TW" altLang="en-US"/>
+          </a:p>
+        </p:txBody>
+      </p:sp>
+      <p:sp>
+        <p:nvSpPr>
+          <p:cNvPr id="22" name="Rectangle 14">
+            <a:extLst>
+              <a:ext uri="{FF2B5EF4-FFF2-40B4-BE49-F238E27FC236}">
+                <a16:creationId xmlns:a16="http://schemas.microsoft.com/office/drawing/2014/main" id="{B9A81FC2-3BC1-B3D3-09F4-D190D511FB70}"/>
+              </a:ext>
+            </a:extLst>
+          </p:cNvPr>
+          <p:cNvSpPr/>
+          <p:nvPr/>
+        </p:nvSpPr>
+        <p:spPr>
+          <a:xfrm>
+            <a:off x="600984" y="3614761"/>
+            <a:ext cx="1215488" cy="662953"/>
+          </a:xfrm>
+          <a:prstGeom prst="rect">
+            <a:avLst/>
+          </a:prstGeom>
+        </p:spPr>
+        <p:style>
+          <a:lnRef idx="2">
+            <a:schemeClr val="accent4"/>
+          </a:lnRef>
+          <a:fillRef idx="1">
+            <a:schemeClr val="lt1"/>
+          </a:fillRef>
+          <a:effectRef idx="0">
+            <a:schemeClr val="accent4"/>
+          </a:effectRef>
+          <a:fontRef idx="minor">
+            <a:schemeClr val="dk1"/>
+          </a:fontRef>
+        </p:style>
+        <p:txBody>
+          <a:bodyPr rtlCol="0" anchor="ctr"/>
+          <a:lstStyle/>
+          <a:p>
+            <a:pPr algn="ctr"/>
+            <a:r>
+              <a:rPr lang="en-US" sz="1000">
+                <a:latin typeface="Consolas" panose="020B0609020204030204" pitchFamily="49" charset="0"/>
+              </a:rPr>
+              <a:t>Transmission agent</a:t>
+            </a:r>
+          </a:p>
+        </p:txBody>
+      </p:sp>
+      <p:sp>
+        <p:nvSpPr>
+          <p:cNvPr id="23" name="Rectangle 14">
+            <a:extLst>
+              <a:ext uri="{FF2B5EF4-FFF2-40B4-BE49-F238E27FC236}">
+                <a16:creationId xmlns:a16="http://schemas.microsoft.com/office/drawing/2014/main" id="{203EA8ED-AE62-A7AE-7BB3-C70689A0C67D}"/>
+              </a:ext>
+            </a:extLst>
+          </p:cNvPr>
+          <p:cNvSpPr/>
+          <p:nvPr/>
+        </p:nvSpPr>
+        <p:spPr>
+          <a:xfrm>
+            <a:off x="1818697" y="3614761"/>
+            <a:ext cx="1215488" cy="662953"/>
+          </a:xfrm>
+          <a:prstGeom prst="rect">
+            <a:avLst/>
+          </a:prstGeom>
+        </p:spPr>
+        <p:style>
+          <a:lnRef idx="2">
+            <a:schemeClr val="accent4"/>
+          </a:lnRef>
+          <a:fillRef idx="1">
+            <a:schemeClr val="lt1"/>
+          </a:fillRef>
+          <a:effectRef idx="0">
+            <a:schemeClr val="accent4"/>
+          </a:effectRef>
+          <a:fontRef idx="minor">
+            <a:schemeClr val="dk1"/>
+          </a:fontRef>
+        </p:style>
+        <p:txBody>
+          <a:bodyPr rtlCol="0" anchor="ctr"/>
+          <a:lstStyle/>
+          <a:p>
+            <a:pPr algn="ctr"/>
+            <a:r>
+              <a:rPr lang="en-US" sz="1000">
+                <a:latin typeface="Consolas" panose="020B0609020204030204" pitchFamily="49" charset="0"/>
+              </a:rPr>
+              <a:t>Queue agent</a:t>
+            </a:r>
+          </a:p>
+        </p:txBody>
+      </p:sp>
+      <p:sp>
+        <p:nvSpPr>
+          <p:cNvPr id="24" name="Rectangle 14">
+            <a:extLst>
+              <a:ext uri="{FF2B5EF4-FFF2-40B4-BE49-F238E27FC236}">
+                <a16:creationId xmlns:a16="http://schemas.microsoft.com/office/drawing/2014/main" id="{DFE8C25D-B092-54AE-656D-BE76E94F7A09}"/>
+              </a:ext>
+            </a:extLst>
+          </p:cNvPr>
+          <p:cNvSpPr/>
+          <p:nvPr/>
+        </p:nvSpPr>
+        <p:spPr>
+          <a:xfrm>
+            <a:off x="3034185" y="3614761"/>
+            <a:ext cx="1215488" cy="662953"/>
+          </a:xfrm>
+          <a:prstGeom prst="rect">
+            <a:avLst/>
+          </a:prstGeom>
+        </p:spPr>
+        <p:style>
+          <a:lnRef idx="2">
+            <a:schemeClr val="accent4"/>
+          </a:lnRef>
+          <a:fillRef idx="1">
+            <a:schemeClr val="lt1"/>
+          </a:fillRef>
+          <a:effectRef idx="0">
+            <a:schemeClr val="accent4"/>
+          </a:effectRef>
+          <a:fontRef idx="minor">
+            <a:schemeClr val="dk1"/>
+          </a:fontRef>
+        </p:style>
+        <p:txBody>
+          <a:bodyPr rtlCol="0" anchor="ctr"/>
+          <a:lstStyle/>
+          <a:p>
+            <a:pPr algn="ctr"/>
+            <a:r>
+              <a:rPr lang="en-US" sz="1000">
+                <a:latin typeface="Consolas" panose="020B0609020204030204" pitchFamily="49" charset="0"/>
+              </a:rPr>
+              <a:t>Action agent</a:t>
+            </a:r>
+          </a:p>
+        </p:txBody>
+      </p:sp>
+      <p:sp>
+        <p:nvSpPr>
+          <p:cNvPr id="25" name="Rectangle 14">
+            <a:extLst>
+              <a:ext uri="{FF2B5EF4-FFF2-40B4-BE49-F238E27FC236}">
+                <a16:creationId xmlns:a16="http://schemas.microsoft.com/office/drawing/2014/main" id="{78520D19-A3F2-BB2F-319E-3A99597C2BF6}"/>
+              </a:ext>
+            </a:extLst>
+          </p:cNvPr>
+          <p:cNvSpPr/>
+          <p:nvPr/>
+        </p:nvSpPr>
+        <p:spPr>
+          <a:xfrm>
+            <a:off x="6716240" y="3614761"/>
+            <a:ext cx="1215488" cy="662953"/>
+          </a:xfrm>
+          <a:prstGeom prst="rect">
+            <a:avLst/>
+          </a:prstGeom>
+        </p:spPr>
+        <p:style>
+          <a:lnRef idx="2">
+            <a:schemeClr val="accent4"/>
+          </a:lnRef>
+          <a:fillRef idx="1">
+            <a:schemeClr val="lt1"/>
+          </a:fillRef>
+          <a:effectRef idx="0">
+            <a:schemeClr val="accent4"/>
+          </a:effectRef>
+          <a:fontRef idx="minor">
+            <a:schemeClr val="dk1"/>
+          </a:fontRef>
+        </p:style>
+        <p:txBody>
+          <a:bodyPr rtlCol="0" anchor="ctr"/>
+          <a:lstStyle/>
+          <a:p>
+            <a:pPr algn="ctr"/>
+            <a:r>
+              <a:rPr lang="en-US" sz="1000">
+                <a:latin typeface="Consolas" panose="020B0609020204030204" pitchFamily="49" charset="0"/>
+              </a:rPr>
+              <a:t>Transmission agent</a:t>
+            </a:r>
+          </a:p>
+        </p:txBody>
+      </p:sp>
+      <p:sp>
+        <p:nvSpPr>
+          <p:cNvPr id="26" name="Rectangle 14">
+            <a:extLst>
+              <a:ext uri="{FF2B5EF4-FFF2-40B4-BE49-F238E27FC236}">
+                <a16:creationId xmlns:a16="http://schemas.microsoft.com/office/drawing/2014/main" id="{8A70D178-B3BB-B5BB-6BE8-027C3B35F73D}"/>
+              </a:ext>
+            </a:extLst>
+          </p:cNvPr>
+          <p:cNvSpPr/>
+          <p:nvPr/>
+        </p:nvSpPr>
+        <p:spPr>
+          <a:xfrm>
+            <a:off x="7931728" y="3614761"/>
+            <a:ext cx="1215488" cy="662953"/>
+          </a:xfrm>
+          <a:prstGeom prst="rect">
+            <a:avLst/>
+          </a:prstGeom>
+        </p:spPr>
+        <p:style>
+          <a:lnRef idx="2">
+            <a:schemeClr val="accent4"/>
+          </a:lnRef>
+          <a:fillRef idx="1">
+            <a:schemeClr val="lt1"/>
+          </a:fillRef>
+          <a:effectRef idx="0">
+            <a:schemeClr val="accent4"/>
+          </a:effectRef>
+          <a:fontRef idx="minor">
+            <a:schemeClr val="dk1"/>
+          </a:fontRef>
+        </p:style>
+        <p:txBody>
+          <a:bodyPr rtlCol="0" anchor="ctr"/>
+          <a:lstStyle/>
+          <a:p>
+            <a:pPr algn="ctr"/>
+            <a:r>
+              <a:rPr lang="en-US" sz="1000">
+                <a:latin typeface="Consolas" panose="020B0609020204030204" pitchFamily="49" charset="0"/>
+              </a:rPr>
+              <a:t>Queue agent</a:t>
+            </a:r>
+          </a:p>
+        </p:txBody>
+      </p:sp>
+      <p:sp>
+        <p:nvSpPr>
+          <p:cNvPr id="27" name="Rectangle 14">
+            <a:extLst>
+              <a:ext uri="{FF2B5EF4-FFF2-40B4-BE49-F238E27FC236}">
+                <a16:creationId xmlns:a16="http://schemas.microsoft.com/office/drawing/2014/main" id="{07E92847-FF9A-B469-5454-33A9AF5E598B}"/>
+              </a:ext>
+            </a:extLst>
+          </p:cNvPr>
+          <p:cNvSpPr/>
+          <p:nvPr/>
+        </p:nvSpPr>
+        <p:spPr>
+          <a:xfrm>
+            <a:off x="9147216" y="3614761"/>
+            <a:ext cx="1215488" cy="662953"/>
+          </a:xfrm>
+          <a:prstGeom prst="rect">
+            <a:avLst/>
+          </a:prstGeom>
+        </p:spPr>
+        <p:style>
+          <a:lnRef idx="2">
+            <a:schemeClr val="accent4"/>
+          </a:lnRef>
+          <a:fillRef idx="1">
+            <a:schemeClr val="lt1"/>
+          </a:fillRef>
+          <a:effectRef idx="0">
+            <a:schemeClr val="accent4"/>
+          </a:effectRef>
+          <a:fontRef idx="minor">
+            <a:schemeClr val="dk1"/>
+          </a:fontRef>
+        </p:style>
+        <p:txBody>
+          <a:bodyPr rtlCol="0" anchor="ctr"/>
+          <a:lstStyle/>
+          <a:p>
+            <a:pPr algn="ctr"/>
+            <a:r>
+              <a:rPr lang="en-US" sz="1000">
+                <a:latin typeface="Consolas" panose="020B0609020204030204" pitchFamily="49" charset="0"/>
+              </a:rPr>
+              <a:t>Action agent</a:t>
+            </a:r>
+          </a:p>
+        </p:txBody>
+      </p:sp>
+      <p:sp>
+        <p:nvSpPr>
+          <p:cNvPr id="28" name="TextBox 27">
+            <a:extLst>
+              <a:ext uri="{FF2B5EF4-FFF2-40B4-BE49-F238E27FC236}">
+                <a16:creationId xmlns:a16="http://schemas.microsoft.com/office/drawing/2014/main" id="{5AB45B94-144B-3717-5207-FA2349CF2745}"/>
+              </a:ext>
+            </a:extLst>
+          </p:cNvPr>
+          <p:cNvSpPr txBox="1"/>
+          <p:nvPr/>
+        </p:nvSpPr>
+        <p:spPr>
+          <a:xfrm>
+            <a:off x="423072" y="5035925"/>
+            <a:ext cx="4175054" cy="369332"/>
+          </a:xfrm>
+          <a:prstGeom prst="rect">
+            <a:avLst/>
+          </a:prstGeom>
+          <a:noFill/>
+        </p:spPr>
+        <p:txBody>
+          <a:bodyPr wrap="none" rtlCol="0">
+            <a:spAutoFit/>
+          </a:bodyPr>
+          <a:lstStyle/>
+          <a:p>
+            <a:r>
+              <a:rPr lang="en-US" altLang="zh-TW"/>
+              <a:t>&gt; python single-transmission –n-pkt 10000</a:t>
+            </a:r>
+            <a:endParaRPr lang="zh-TW" altLang="en-US"/>
+          </a:p>
+        </p:txBody>
+      </p:sp>
+      <p:sp>
+        <p:nvSpPr>
+          <p:cNvPr id="29" name="Rectangle 28">
+            <a:extLst>
+              <a:ext uri="{FF2B5EF4-FFF2-40B4-BE49-F238E27FC236}">
+                <a16:creationId xmlns:a16="http://schemas.microsoft.com/office/drawing/2014/main" id="{85D52265-E716-BE47-782A-99621AF68B08}"/>
+              </a:ext>
+            </a:extLst>
+          </p:cNvPr>
+          <p:cNvSpPr/>
+          <p:nvPr/>
+        </p:nvSpPr>
+        <p:spPr>
+          <a:xfrm>
+            <a:off x="1123604" y="1712788"/>
+            <a:ext cx="2605672" cy="640540"/>
+          </a:xfrm>
+          <a:prstGeom prst="rect">
+            <a:avLst/>
+          </a:prstGeom>
+        </p:spPr>
+        <p:style>
+          <a:lnRef idx="2">
+            <a:schemeClr val="accent2">
+              <a:shade val="50000"/>
+            </a:schemeClr>
+          </a:lnRef>
+          <a:fillRef idx="1">
+            <a:schemeClr val="accent2"/>
+          </a:fillRef>
+          <a:effectRef idx="0">
+            <a:schemeClr val="accent2"/>
+          </a:effectRef>
+          <a:fontRef idx="minor">
+            <a:schemeClr val="lt1"/>
+          </a:fontRef>
+        </p:style>
+        <p:txBody>
+          <a:bodyPr rtlCol="0" anchor="ctr"/>
+          <a:lstStyle/>
+          <a:p>
+            <a:pPr algn="ctr"/>
+            <a:endParaRPr lang="en-US" sz="1000">
+              <a:latin typeface="Consolas" panose="020B0609020204030204" pitchFamily="49" charset="0"/>
+            </a:endParaRPr>
+          </a:p>
+        </p:txBody>
+      </p:sp>
+      <p:sp>
+        <p:nvSpPr>
+          <p:cNvPr id="30" name="Rectangle 29">
+            <a:extLst>
+              <a:ext uri="{FF2B5EF4-FFF2-40B4-BE49-F238E27FC236}">
+                <a16:creationId xmlns:a16="http://schemas.microsoft.com/office/drawing/2014/main" id="{AB26EFE4-D211-8867-0318-98CF951563BF}"/>
+              </a:ext>
+            </a:extLst>
+          </p:cNvPr>
+          <p:cNvSpPr/>
+          <p:nvPr/>
+        </p:nvSpPr>
+        <p:spPr>
+          <a:xfrm>
+            <a:off x="7149288" y="1712788"/>
+            <a:ext cx="2605672" cy="640540"/>
+          </a:xfrm>
+          <a:prstGeom prst="rect">
+            <a:avLst/>
+          </a:prstGeom>
+        </p:spPr>
+        <p:style>
+          <a:lnRef idx="2">
+            <a:schemeClr val="accent2">
+              <a:shade val="50000"/>
+            </a:schemeClr>
+          </a:lnRef>
+          <a:fillRef idx="1">
+            <a:schemeClr val="accent2"/>
+          </a:fillRef>
+          <a:effectRef idx="0">
+            <a:schemeClr val="accent2"/>
+          </a:effectRef>
+          <a:fontRef idx="minor">
+            <a:schemeClr val="lt1"/>
+          </a:fontRef>
+        </p:style>
+        <p:txBody>
+          <a:bodyPr rtlCol="0" anchor="ctr"/>
+          <a:lstStyle/>
+          <a:p>
+            <a:pPr algn="ctr"/>
+            <a:endParaRPr lang="en-US" sz="1000">
+              <a:latin typeface="Consolas" panose="020B0609020204030204" pitchFamily="49" charset="0"/>
+            </a:endParaRPr>
+          </a:p>
+        </p:txBody>
+      </p:sp>
+      <p:sp>
+        <p:nvSpPr>
+          <p:cNvPr id="31" name="TextBox 30">
+            <a:extLst>
+              <a:ext uri="{FF2B5EF4-FFF2-40B4-BE49-F238E27FC236}">
+                <a16:creationId xmlns:a16="http://schemas.microsoft.com/office/drawing/2014/main" id="{F0ABDE25-A387-34A0-3470-3978154CDECC}"/>
+              </a:ext>
+            </a:extLst>
+          </p:cNvPr>
+          <p:cNvSpPr txBox="1"/>
+          <p:nvPr/>
+        </p:nvSpPr>
+        <p:spPr>
+          <a:xfrm>
+            <a:off x="7030686" y="4614526"/>
+            <a:ext cx="2681247" cy="369332"/>
+          </a:xfrm>
+          <a:prstGeom prst="rect">
+            <a:avLst/>
+          </a:prstGeom>
+          <a:noFill/>
+        </p:spPr>
+        <p:txBody>
+          <a:bodyPr wrap="none" rtlCol="0">
+            <a:spAutoFit/>
+          </a:bodyPr>
+          <a:lstStyle/>
+          <a:p>
+            <a:r>
+              <a:rPr lang="en-US" altLang="zh-TW"/>
+              <a:t>&gt;sh agent_service_start.sh</a:t>
+            </a:r>
+            <a:endParaRPr lang="zh-TW" altLang="en-US"/>
+          </a:p>
+        </p:txBody>
+      </p:sp>
+      <p:sp>
+        <p:nvSpPr>
+          <p:cNvPr id="32" name="TextBox 31">
+            <a:extLst>
+              <a:ext uri="{FF2B5EF4-FFF2-40B4-BE49-F238E27FC236}">
+                <a16:creationId xmlns:a16="http://schemas.microsoft.com/office/drawing/2014/main" id="{F25B2319-F9C6-121B-E89D-366399DD6446}"/>
+              </a:ext>
+            </a:extLst>
+          </p:cNvPr>
+          <p:cNvSpPr txBox="1"/>
+          <p:nvPr/>
+        </p:nvSpPr>
+        <p:spPr>
+          <a:xfrm>
+            <a:off x="1085816" y="4614526"/>
+            <a:ext cx="2681247" cy="369332"/>
+          </a:xfrm>
+          <a:prstGeom prst="rect">
+            <a:avLst/>
+          </a:prstGeom>
+          <a:noFill/>
+        </p:spPr>
+        <p:txBody>
+          <a:bodyPr wrap="none" rtlCol="0">
+            <a:spAutoFit/>
+          </a:bodyPr>
+          <a:lstStyle/>
+          <a:p>
+            <a:r>
+              <a:rPr lang="en-US" altLang="zh-TW"/>
+              <a:t>&gt;sh agent_service_start.sh</a:t>
+            </a:r>
+            <a:endParaRPr lang="zh-TW" altLang="en-US"/>
+          </a:p>
+        </p:txBody>
+      </p:sp>
     </p:spTree>
     <p:extLst>
       <p:ext uri="{BB962C8B-B14F-4D97-AF65-F5344CB8AC3E}">
